--- a/slides_palestra.pptx
+++ b/slides_palestra.pptx
@@ -37229,48 +37229,6 @@
           <a:chExt cx="0" cy="0"/>
         </a:xfrm>
       </p:grpSpPr>
-      <p:sp>
-        <p:nvSpPr>
-          <p:cNvPr id="367" name="Google Shape;367;p15"/>
-          <p:cNvSpPr txBox="1">
-            <a:spLocks noGrp="1"/>
-          </p:cNvSpPr>
-          <p:nvPr>
-            <p:ph type="sldNum" idx="12"/>
-          </p:nvPr>
-        </p:nvSpPr>
-        <p:spPr>
-          <a:xfrm>
-            <a:off x="13557" y="4785525"/>
-            <a:ext cx="548700" cy="357900"/>
-          </a:xfrm>
-          <a:prstGeom prst="rect">
-            <a:avLst/>
-          </a:prstGeom>
-        </p:spPr>
-        <p:txBody>
-          <a:bodyPr spcFirstLastPara="1" wrap="square" lIns="91425" tIns="91425" rIns="91425" bIns="91425" anchor="t" anchorCtr="0">
-            <a:noAutofit/>
-          </a:bodyPr>
-          <a:lstStyle/>
-          <a:p>
-            <a:pPr marL="0" lvl="0" indent="0" algn="l" rtl="0">
-              <a:spcBef>
-                <a:spcPts val="0"/>
-              </a:spcBef>
-              <a:spcAft>
-                <a:spcPts val="0"/>
-              </a:spcAft>
-              <a:buNone/>
-            </a:pPr>
-            <a:fld id="{00000000-1234-1234-1234-123412341234}" type="slidenum">
-              <a:rPr lang="en"/>
-              <a:t>11</a:t>
-            </a:fld>
-            <a:endParaRPr/>
-          </a:p>
-        </p:txBody>
-      </p:sp>
       <p:pic>
         <p:nvPicPr>
           <p:cNvPr id="4" name="Imagem 3" descr="Tabela, Linha do tempo&#10;&#10;Descrição gerada automaticamente">
@@ -37481,48 +37439,6 @@
           <a:chExt cx="0" cy="0"/>
         </a:xfrm>
       </p:grpSpPr>
-      <p:sp>
-        <p:nvSpPr>
-          <p:cNvPr id="367" name="Google Shape;367;p15"/>
-          <p:cNvSpPr txBox="1">
-            <a:spLocks noGrp="1"/>
-          </p:cNvSpPr>
-          <p:nvPr>
-            <p:ph type="sldNum" idx="12"/>
-          </p:nvPr>
-        </p:nvSpPr>
-        <p:spPr>
-          <a:xfrm>
-            <a:off x="13557" y="4785525"/>
-            <a:ext cx="548700" cy="357900"/>
-          </a:xfrm>
-          <a:prstGeom prst="rect">
-            <a:avLst/>
-          </a:prstGeom>
-        </p:spPr>
-        <p:txBody>
-          <a:bodyPr spcFirstLastPara="1" wrap="square" lIns="91425" tIns="91425" rIns="91425" bIns="91425" anchor="t" anchorCtr="0">
-            <a:noAutofit/>
-          </a:bodyPr>
-          <a:lstStyle/>
-          <a:p>
-            <a:pPr marL="0" lvl="0" indent="0" algn="l" rtl="0">
-              <a:spcBef>
-                <a:spcPts val="0"/>
-              </a:spcBef>
-              <a:spcAft>
-                <a:spcPts val="0"/>
-              </a:spcAft>
-              <a:buNone/>
-            </a:pPr>
-            <a:fld id="{00000000-1234-1234-1234-123412341234}" type="slidenum">
-              <a:rPr lang="en"/>
-              <a:t>12</a:t>
-            </a:fld>
-            <a:endParaRPr/>
-          </a:p>
-        </p:txBody>
-      </p:sp>
       <p:pic>
         <p:nvPicPr>
           <p:cNvPr id="5" name="Imagem 4" descr="Tabela&#10;&#10;Descrição gerada automaticamente">
@@ -37733,48 +37649,6 @@
           <a:chExt cx="0" cy="0"/>
         </a:xfrm>
       </p:grpSpPr>
-      <p:sp>
-        <p:nvSpPr>
-          <p:cNvPr id="367" name="Google Shape;367;p15"/>
-          <p:cNvSpPr txBox="1">
-            <a:spLocks noGrp="1"/>
-          </p:cNvSpPr>
-          <p:nvPr>
-            <p:ph type="sldNum" idx="12"/>
-          </p:nvPr>
-        </p:nvSpPr>
-        <p:spPr>
-          <a:xfrm>
-            <a:off x="13557" y="4785525"/>
-            <a:ext cx="548700" cy="357900"/>
-          </a:xfrm>
-          <a:prstGeom prst="rect">
-            <a:avLst/>
-          </a:prstGeom>
-        </p:spPr>
-        <p:txBody>
-          <a:bodyPr spcFirstLastPara="1" wrap="square" lIns="91425" tIns="91425" rIns="91425" bIns="91425" anchor="t" anchorCtr="0">
-            <a:noAutofit/>
-          </a:bodyPr>
-          <a:lstStyle/>
-          <a:p>
-            <a:pPr marL="0" lvl="0" indent="0" algn="l" rtl="0">
-              <a:spcBef>
-                <a:spcPts val="0"/>
-              </a:spcBef>
-              <a:spcAft>
-                <a:spcPts val="0"/>
-              </a:spcAft>
-              <a:buNone/>
-            </a:pPr>
-            <a:fld id="{00000000-1234-1234-1234-123412341234}" type="slidenum">
-              <a:rPr lang="en"/>
-              <a:t>13</a:t>
-            </a:fld>
-            <a:endParaRPr/>
-          </a:p>
-        </p:txBody>
-      </p:sp>
       <p:pic>
         <p:nvPicPr>
           <p:cNvPr id="4" name="Imagem 3" descr="Tabela&#10;&#10;Descrição gerada automaticamente">
@@ -37985,48 +37859,6 @@
           <a:chExt cx="0" cy="0"/>
         </a:xfrm>
       </p:grpSpPr>
-      <p:sp>
-        <p:nvSpPr>
-          <p:cNvPr id="367" name="Google Shape;367;p15"/>
-          <p:cNvSpPr txBox="1">
-            <a:spLocks noGrp="1"/>
-          </p:cNvSpPr>
-          <p:nvPr>
-            <p:ph type="sldNum" idx="12"/>
-          </p:nvPr>
-        </p:nvSpPr>
-        <p:spPr>
-          <a:xfrm>
-            <a:off x="13557" y="4785525"/>
-            <a:ext cx="548700" cy="357900"/>
-          </a:xfrm>
-          <a:prstGeom prst="rect">
-            <a:avLst/>
-          </a:prstGeom>
-        </p:spPr>
-        <p:txBody>
-          <a:bodyPr spcFirstLastPara="1" wrap="square" lIns="91425" tIns="91425" rIns="91425" bIns="91425" anchor="t" anchorCtr="0">
-            <a:noAutofit/>
-          </a:bodyPr>
-          <a:lstStyle/>
-          <a:p>
-            <a:pPr marL="0" lvl="0" indent="0" algn="l" rtl="0">
-              <a:spcBef>
-                <a:spcPts val="0"/>
-              </a:spcBef>
-              <a:spcAft>
-                <a:spcPts val="0"/>
-              </a:spcAft>
-              <a:buNone/>
-            </a:pPr>
-            <a:fld id="{00000000-1234-1234-1234-123412341234}" type="slidenum">
-              <a:rPr lang="en"/>
-              <a:t>14</a:t>
-            </a:fld>
-            <a:endParaRPr/>
-          </a:p>
-        </p:txBody>
-      </p:sp>
       <p:pic>
         <p:nvPicPr>
           <p:cNvPr id="5" name="Imagem 4" descr="Tabela&#10;&#10;Descrição gerada automaticamente">
@@ -38680,48 +38512,6 @@
               <a:t>Custo de correção de bug</a:t>
             </a:r>
             <a:endParaRPr dirty="0"/>
-          </a:p>
-        </p:txBody>
-      </p:sp>
-      <p:sp>
-        <p:nvSpPr>
-          <p:cNvPr id="401" name="Google Shape;401;p18"/>
-          <p:cNvSpPr txBox="1">
-            <a:spLocks noGrp="1"/>
-          </p:cNvSpPr>
-          <p:nvPr>
-            <p:ph type="sldNum" idx="12"/>
-          </p:nvPr>
-        </p:nvSpPr>
-        <p:spPr>
-          <a:xfrm>
-            <a:off x="13557" y="4785525"/>
-            <a:ext cx="548700" cy="357900"/>
-          </a:xfrm>
-          <a:prstGeom prst="rect">
-            <a:avLst/>
-          </a:prstGeom>
-        </p:spPr>
-        <p:txBody>
-          <a:bodyPr spcFirstLastPara="1" wrap="square" lIns="91425" tIns="91425" rIns="91425" bIns="91425" anchor="t" anchorCtr="0">
-            <a:noAutofit/>
-          </a:bodyPr>
-          <a:lstStyle/>
-          <a:p>
-            <a:pPr marL="0" lvl="0" indent="0" algn="l" rtl="0">
-              <a:spcBef>
-                <a:spcPts val="0"/>
-              </a:spcBef>
-              <a:spcAft>
-                <a:spcPts val="0"/>
-              </a:spcAft>
-              <a:buNone/>
-            </a:pPr>
-            <a:fld id="{00000000-1234-1234-1234-123412341234}" type="slidenum">
-              <a:rPr lang="en"/>
-              <a:t>16</a:t>
-            </a:fld>
-            <a:endParaRPr/>
           </a:p>
         </p:txBody>
       </p:sp>
@@ -48165,48 +47955,6 @@
       </p:sp>
       <p:sp>
         <p:nvSpPr>
-          <p:cNvPr id="374" name="Google Shape;374;p16"/>
-          <p:cNvSpPr txBox="1">
-            <a:spLocks noGrp="1"/>
-          </p:cNvSpPr>
-          <p:nvPr>
-            <p:ph type="sldNum" idx="12"/>
-          </p:nvPr>
-        </p:nvSpPr>
-        <p:spPr>
-          <a:xfrm>
-            <a:off x="13557" y="4785525"/>
-            <a:ext cx="548700" cy="357900"/>
-          </a:xfrm>
-          <a:prstGeom prst="rect">
-            <a:avLst/>
-          </a:prstGeom>
-        </p:spPr>
-        <p:txBody>
-          <a:bodyPr spcFirstLastPara="1" wrap="square" lIns="91425" tIns="91425" rIns="91425" bIns="91425" anchor="t" anchorCtr="0">
-            <a:noAutofit/>
-          </a:bodyPr>
-          <a:lstStyle/>
-          <a:p>
-            <a:pPr marL="0" lvl="0" indent="0" algn="l" rtl="0">
-              <a:spcBef>
-                <a:spcPts val="0"/>
-              </a:spcBef>
-              <a:spcAft>
-                <a:spcPts val="0"/>
-              </a:spcAft>
-              <a:buNone/>
-            </a:pPr>
-            <a:fld id="{00000000-1234-1234-1234-123412341234}" type="slidenum">
-              <a:rPr lang="en"/>
-              <a:t>5</a:t>
-            </a:fld>
-            <a:endParaRPr/>
-          </a:p>
-        </p:txBody>
-      </p:sp>
-      <p:sp>
-        <p:nvSpPr>
           <p:cNvPr id="5" name="Google Shape;372;p16">
             <a:extLst>
               <a:ext uri="{FF2B5EF4-FFF2-40B4-BE49-F238E27FC236}">
@@ -48821,48 +48569,6 @@
           <a:chExt cx="0" cy="0"/>
         </a:xfrm>
       </p:grpSpPr>
-      <p:sp>
-        <p:nvSpPr>
-          <p:cNvPr id="367" name="Google Shape;367;p15"/>
-          <p:cNvSpPr txBox="1">
-            <a:spLocks noGrp="1"/>
-          </p:cNvSpPr>
-          <p:nvPr>
-            <p:ph type="sldNum" idx="12"/>
-          </p:nvPr>
-        </p:nvSpPr>
-        <p:spPr>
-          <a:xfrm>
-            <a:off x="13557" y="4785525"/>
-            <a:ext cx="548700" cy="357900"/>
-          </a:xfrm>
-          <a:prstGeom prst="rect">
-            <a:avLst/>
-          </a:prstGeom>
-        </p:spPr>
-        <p:txBody>
-          <a:bodyPr spcFirstLastPara="1" wrap="square" lIns="91425" tIns="91425" rIns="91425" bIns="91425" anchor="t" anchorCtr="0">
-            <a:noAutofit/>
-          </a:bodyPr>
-          <a:lstStyle/>
-          <a:p>
-            <a:pPr marL="0" lvl="0" indent="0" algn="l" rtl="0">
-              <a:spcBef>
-                <a:spcPts val="0"/>
-              </a:spcBef>
-              <a:spcAft>
-                <a:spcPts val="0"/>
-              </a:spcAft>
-              <a:buNone/>
-            </a:pPr>
-            <a:fld id="{00000000-1234-1234-1234-123412341234}" type="slidenum">
-              <a:rPr lang="en"/>
-              <a:t>6</a:t>
-            </a:fld>
-            <a:endParaRPr/>
-          </a:p>
-        </p:txBody>
-      </p:sp>
       <p:pic>
         <p:nvPicPr>
           <p:cNvPr id="6" name="Picture 6" descr="Unit tests - 9GAG">
@@ -49018,48 +48724,6 @@
               <a:t>Guia para testagem de programa</a:t>
             </a:r>
             <a:endParaRPr dirty="0"/>
-          </a:p>
-        </p:txBody>
-      </p:sp>
-      <p:sp>
-        <p:nvSpPr>
-          <p:cNvPr id="374" name="Google Shape;374;p16"/>
-          <p:cNvSpPr txBox="1">
-            <a:spLocks noGrp="1"/>
-          </p:cNvSpPr>
-          <p:nvPr>
-            <p:ph type="sldNum" idx="12"/>
-          </p:nvPr>
-        </p:nvSpPr>
-        <p:spPr>
-          <a:xfrm>
-            <a:off x="13557" y="4785525"/>
-            <a:ext cx="548700" cy="357900"/>
-          </a:xfrm>
-          <a:prstGeom prst="rect">
-            <a:avLst/>
-          </a:prstGeom>
-        </p:spPr>
-        <p:txBody>
-          <a:bodyPr spcFirstLastPara="1" wrap="square" lIns="91425" tIns="91425" rIns="91425" bIns="91425" anchor="t" anchorCtr="0">
-            <a:noAutofit/>
-          </a:bodyPr>
-          <a:lstStyle/>
-          <a:p>
-            <a:pPr marL="0" lvl="0" indent="0" algn="l" rtl="0">
-              <a:spcBef>
-                <a:spcPts val="0"/>
-              </a:spcBef>
-              <a:spcAft>
-                <a:spcPts val="0"/>
-              </a:spcAft>
-              <a:buNone/>
-            </a:pPr>
-            <a:fld id="{00000000-1234-1234-1234-123412341234}" type="slidenum">
-              <a:rPr lang="en"/>
-              <a:t>7</a:t>
-            </a:fld>
-            <a:endParaRPr/>
           </a:p>
         </p:txBody>
       </p:sp>
@@ -49383,48 +49047,6 @@
           </a:p>
         </p:txBody>
       </p:sp>
-      <p:sp>
-        <p:nvSpPr>
-          <p:cNvPr id="367" name="Google Shape;367;p15"/>
-          <p:cNvSpPr txBox="1">
-            <a:spLocks noGrp="1"/>
-          </p:cNvSpPr>
-          <p:nvPr>
-            <p:ph type="sldNum" idx="12"/>
-          </p:nvPr>
-        </p:nvSpPr>
-        <p:spPr>
-          <a:xfrm>
-            <a:off x="13557" y="4785525"/>
-            <a:ext cx="548700" cy="357900"/>
-          </a:xfrm>
-          <a:prstGeom prst="rect">
-            <a:avLst/>
-          </a:prstGeom>
-        </p:spPr>
-        <p:txBody>
-          <a:bodyPr spcFirstLastPara="1" wrap="square" lIns="91425" tIns="91425" rIns="91425" bIns="91425" anchor="t" anchorCtr="0">
-            <a:noAutofit/>
-          </a:bodyPr>
-          <a:lstStyle/>
-          <a:p>
-            <a:pPr marL="0" lvl="0" indent="0" algn="l" rtl="0">
-              <a:spcBef>
-                <a:spcPts val="0"/>
-              </a:spcBef>
-              <a:spcAft>
-                <a:spcPts val="0"/>
-              </a:spcAft>
-              <a:buNone/>
-            </a:pPr>
-            <a:fld id="{00000000-1234-1234-1234-123412341234}" type="slidenum">
-              <a:rPr lang="en"/>
-              <a:t>8</a:t>
-            </a:fld>
-            <a:endParaRPr/>
-          </a:p>
-        </p:txBody>
-      </p:sp>
     </p:spTree>
   </p:cSld>
   <p:clrMapOvr>
@@ -49450,48 +49072,6 @@
           <a:chExt cx="0" cy="0"/>
         </a:xfrm>
       </p:grpSpPr>
-      <p:sp>
-        <p:nvSpPr>
-          <p:cNvPr id="367" name="Google Shape;367;p15"/>
-          <p:cNvSpPr txBox="1">
-            <a:spLocks noGrp="1"/>
-          </p:cNvSpPr>
-          <p:nvPr>
-            <p:ph type="sldNum" idx="12"/>
-          </p:nvPr>
-        </p:nvSpPr>
-        <p:spPr>
-          <a:xfrm>
-            <a:off x="13557" y="4785525"/>
-            <a:ext cx="548700" cy="357900"/>
-          </a:xfrm>
-          <a:prstGeom prst="rect">
-            <a:avLst/>
-          </a:prstGeom>
-        </p:spPr>
-        <p:txBody>
-          <a:bodyPr spcFirstLastPara="1" wrap="square" lIns="91425" tIns="91425" rIns="91425" bIns="91425" anchor="t" anchorCtr="0">
-            <a:noAutofit/>
-          </a:bodyPr>
-          <a:lstStyle/>
-          <a:p>
-            <a:pPr marL="0" lvl="0" indent="0" algn="l" rtl="0">
-              <a:spcBef>
-                <a:spcPts val="0"/>
-              </a:spcBef>
-              <a:spcAft>
-                <a:spcPts val="0"/>
-              </a:spcAft>
-              <a:buNone/>
-            </a:pPr>
-            <a:fld id="{00000000-1234-1234-1234-123412341234}" type="slidenum">
-              <a:rPr lang="en"/>
-              <a:t>9</a:t>
-            </a:fld>
-            <a:endParaRPr/>
-          </a:p>
-        </p:txBody>
-      </p:sp>
       <p:pic>
         <p:nvPicPr>
           <p:cNvPr id="1032" name="Picture 8" descr="Unit Testing: Ain't nobody got time for that! | by Travelstart Admin |  Tech@Travelstart | Medium">
